--- a/Topic Five.pptx
+++ b/Topic Five.pptx
@@ -5,7 +5,7 @@
     <p:sldMasterId id="2147483660" r:id="rId1"/>
   </p:sldMasterIdLst>
   <p:notesMasterIdLst>
-    <p:notesMasterId r:id="rId15"/>
+    <p:notesMasterId r:id="rId23"/>
   </p:notesMasterIdLst>
   <p:sldIdLst>
     <p:sldId id="258" r:id="rId2"/>
@@ -20,7 +20,15 @@
     <p:sldId id="282" r:id="rId11"/>
     <p:sldId id="281" r:id="rId12"/>
     <p:sldId id="280" r:id="rId13"/>
-    <p:sldId id="273" r:id="rId14"/>
+    <p:sldId id="284" r:id="rId14"/>
+    <p:sldId id="286" r:id="rId15"/>
+    <p:sldId id="287" r:id="rId16"/>
+    <p:sldId id="288" r:id="rId17"/>
+    <p:sldId id="289" r:id="rId18"/>
+    <p:sldId id="292" r:id="rId19"/>
+    <p:sldId id="290" r:id="rId20"/>
+    <p:sldId id="291" r:id="rId21"/>
+    <p:sldId id="273" r:id="rId22"/>
   </p:sldIdLst>
   <p:sldSz cx="12192000" cy="6858000"/>
   <p:notesSz cx="6858000" cy="9144000"/>
@@ -209,7 +217,7 @@
           <a:p>
             <a:fld id="{25CF522D-87FC-4E2C-8B00-DFE130EECCBB}" type="datetimeFigureOut">
               <a:rPr lang="en-GB" smtClean="0"/>
-              <a:t>09/02/2021</a:t>
+              <a:t>16/02/2021</a:t>
             </a:fld>
             <a:endParaRPr lang="en-GB"/>
           </a:p>
@@ -1645,7 +1653,7 @@
               <a:pPr>
                 <a:defRPr/>
               </a:pPr>
-              <a:t>09/02/2021</a:t>
+              <a:t>16/02/2021</a:t>
             </a:fld>
             <a:endParaRPr lang="en-GB">
               <a:solidFill>
@@ -1872,7 +1880,7 @@
               <a:pPr>
                 <a:defRPr/>
               </a:pPr>
-              <a:t>09/02/2021</a:t>
+              <a:t>16/02/2021</a:t>
             </a:fld>
             <a:endParaRPr lang="en-GB">
               <a:solidFill>
@@ -2109,7 +2117,7 @@
               <a:pPr>
                 <a:defRPr/>
               </a:pPr>
-              <a:t>09/02/2021</a:t>
+              <a:t>16/02/2021</a:t>
             </a:fld>
             <a:endParaRPr lang="en-GB">
               <a:solidFill>
@@ -3519,7 +3527,7 @@
               <a:pPr>
                 <a:defRPr/>
               </a:pPr>
-              <a:t>09/02/2021</a:t>
+              <a:t>16/02/2021</a:t>
             </a:fld>
             <a:endParaRPr lang="en-GB">
               <a:solidFill>
@@ -3777,7 +3785,7 @@
               <a:pPr>
                 <a:defRPr/>
               </a:pPr>
-              <a:t>09/02/2021</a:t>
+              <a:t>16/02/2021</a:t>
             </a:fld>
             <a:endParaRPr lang="en-GB">
               <a:solidFill>
@@ -4122,7 +4130,7 @@
               <a:pPr>
                 <a:defRPr/>
               </a:pPr>
-              <a:t>09/02/2021</a:t>
+              <a:t>16/02/2021</a:t>
             </a:fld>
             <a:endParaRPr lang="en-GB">
               <a:solidFill>
@@ -4601,7 +4609,7 @@
               <a:pPr>
                 <a:defRPr/>
               </a:pPr>
-              <a:t>09/02/2021</a:t>
+              <a:t>16/02/2021</a:t>
             </a:fld>
             <a:endParaRPr lang="en-GB">
               <a:solidFill>
@@ -4776,7 +4784,7 @@
               <a:pPr>
                 <a:defRPr/>
               </a:pPr>
-              <a:t>09/02/2021</a:t>
+              <a:t>16/02/2021</a:t>
             </a:fld>
             <a:endParaRPr lang="en-GB">
               <a:solidFill>
@@ -4928,7 +4936,7 @@
               <a:pPr>
                 <a:defRPr/>
               </a:pPr>
-              <a:t>09/02/2021</a:t>
+              <a:t>16/02/2021</a:t>
             </a:fld>
             <a:endParaRPr lang="en-GB">
               <a:solidFill>
@@ -5262,7 +5270,7 @@
               <a:pPr>
                 <a:defRPr/>
               </a:pPr>
-              <a:t>09/02/2021</a:t>
+              <a:t>16/02/2021</a:t>
             </a:fld>
             <a:endParaRPr lang="en-GB">
               <a:solidFill>
@@ -5586,7 +5594,7 @@
               <a:pPr>
                 <a:defRPr/>
               </a:pPr>
-              <a:t>09/02/2021</a:t>
+              <a:t>16/02/2021</a:t>
             </a:fld>
             <a:endParaRPr lang="en-GB">
               <a:solidFill>
@@ -6741,7 +6749,6 @@
               <a:rPr lang="en-US" dirty="0"/>
               <a:t>calls may be very different.</a:t>
             </a:r>
-            <a:endParaRPr lang="en-US" dirty="0"/>
           </a:p>
         </p:txBody>
       </p:sp>
@@ -6904,7 +6911,7 @@
           <a:p>
             <a:r>
               <a:rPr lang="en-GB" dirty="0" smtClean="0"/>
-              <a:t>References</a:t>
+              <a:t>Polymorphism and Encapsulation</a:t>
             </a:r>
             <a:endParaRPr lang="en-US" dirty="0"/>
           </a:p>
@@ -6922,48 +6929,1143 @@
         </p:nvSpPr>
         <p:spPr/>
         <p:txBody>
-          <a:bodyPr/>
+          <a:bodyPr>
+            <a:normAutofit fontScale="92500" lnSpcReduction="20000"/>
+          </a:bodyPr>
           <a:lstStyle/>
           <a:p>
+            <a:pPr algn="just"/>
+            <a:r>
+              <a:rPr lang="en-GB" dirty="0" smtClean="0"/>
+              <a:t>Polymorphism refers to the ability to create methods with same name but different arguments.</a:t>
+            </a:r>
+          </a:p>
+          <a:p>
+            <a:pPr algn="just"/>
+            <a:r>
+              <a:rPr lang="en-GB" dirty="0" smtClean="0"/>
+              <a:t>Arguments refer to variables that are passed unto a method directly when they are called.</a:t>
+            </a:r>
+          </a:p>
+          <a:p>
+            <a:pPr algn="just"/>
             <a:r>
               <a:rPr lang="en-US" dirty="0"/>
-              <a:t>Lemay, L., Perkins, C. L., &amp; Morrison, M. (1999). Java in 21 Days. </a:t>
-            </a:r>
-            <a:r>
-              <a:rPr lang="en-US" dirty="0" err="1"/>
-              <a:t>Sama</a:t>
+              <a:t>To create an overloaded method, all you need to do is create several different method </a:t>
+            </a:r>
+            <a:r>
+              <a:rPr lang="en-US" dirty="0" smtClean="0"/>
+              <a:t>definitions in </a:t>
             </a:r>
             <a:r>
               <a:rPr lang="en-US" dirty="0"/>
-              <a:t> Publishing</a:t>
+              <a:t>your class, all with the same name, but with different parameter lists (either in number or </a:t>
+            </a:r>
+            <a:r>
+              <a:rPr lang="en-US" dirty="0" smtClean="0"/>
+              <a:t>type of </a:t>
+            </a:r>
+            <a:r>
+              <a:rPr lang="en-US" dirty="0"/>
+              <a:t>arguments) and </a:t>
+            </a:r>
+            <a:r>
+              <a:rPr lang="en-US" dirty="0" smtClean="0"/>
+              <a:t>with different </a:t>
+            </a:r>
+            <a:r>
+              <a:rPr lang="en-US" dirty="0"/>
+              <a:t>bodies</a:t>
             </a:r>
             <a:r>
               <a:rPr lang="en-US" dirty="0" smtClean="0"/>
               <a:t>.</a:t>
             </a:r>
-          </a:p>
-          <a:p>
-            <a:endParaRPr lang="en-US" dirty="0"/>
+            <a:endParaRPr lang="en-GB" dirty="0" smtClean="0"/>
           </a:p>
         </p:txBody>
       </p:sp>
     </p:spTree>
     <p:extLst>
       <p:ext uri="{BB962C8B-B14F-4D97-AF65-F5344CB8AC3E}">
-        <p14:creationId xmlns:p14="http://schemas.microsoft.com/office/powerpoint/2010/main" val="2475725027"/>
+        <p14:creationId xmlns:p14="http://schemas.microsoft.com/office/powerpoint/2010/main" val="3269579863"/>
       </p:ext>
     </p:extLst>
   </p:cSld>
   <p:clrMapOvr>
     <a:masterClrMapping/>
   </p:clrMapOvr>
-  <p:timing>
-    <p:tnLst>
-      <p:par>
-        <p:cTn id="1" dur="indefinite" restart="never" nodeType="tmRoot"/>
-      </p:par>
-    </p:tnLst>
-  </p:timing>
+</p:sld>
+</file>
+
+<file path=ppt/slides/slide14.xml><?xml version="1.0" encoding="utf-8"?>
+<p:sld xmlns:a="http://schemas.openxmlformats.org/drawingml/2006/main" xmlns:r="http://schemas.openxmlformats.org/officeDocument/2006/relationships" xmlns:p="http://schemas.openxmlformats.org/presentationml/2006/main">
+  <p:cSld>
+    <p:spTree>
+      <p:nvGrpSpPr>
+        <p:cNvPr id="1" name=""/>
+        <p:cNvGrpSpPr/>
+        <p:nvPr/>
+      </p:nvGrpSpPr>
+      <p:grpSpPr>
+        <a:xfrm>
+          <a:off x="0" y="0"/>
+          <a:ext cx="0" cy="0"/>
+          <a:chOff x="0" y="0"/>
+          <a:chExt cx="0" cy="0"/>
+        </a:xfrm>
+      </p:grpSpPr>
+      <p:sp>
+        <p:nvSpPr>
+          <p:cNvPr id="2" name="Title 1"/>
+          <p:cNvSpPr>
+            <a:spLocks noGrp="1"/>
+          </p:cNvSpPr>
+          <p:nvPr>
+            <p:ph type="title"/>
+          </p:nvPr>
+        </p:nvSpPr>
+        <p:spPr/>
+        <p:txBody>
+          <a:bodyPr/>
+          <a:lstStyle/>
+          <a:p>
+            <a:r>
+              <a:rPr lang="en-GB" dirty="0" smtClean="0"/>
+              <a:t>Polymorphism</a:t>
+            </a:r>
+            <a:endParaRPr lang="en-US" dirty="0"/>
+          </a:p>
+        </p:txBody>
+      </p:sp>
+      <p:sp>
+        <p:nvSpPr>
+          <p:cNvPr id="3" name="Content Placeholder 2"/>
+          <p:cNvSpPr>
+            <a:spLocks noGrp="1"/>
+          </p:cNvSpPr>
+          <p:nvPr>
+            <p:ph idx="1"/>
+          </p:nvPr>
+        </p:nvSpPr>
+        <p:spPr/>
+        <p:txBody>
+          <a:bodyPr>
+            <a:normAutofit lnSpcReduction="10000"/>
+          </a:bodyPr>
+          <a:lstStyle/>
+          <a:p>
+            <a:pPr marL="0" indent="0">
+              <a:buNone/>
+            </a:pPr>
+            <a:r>
+              <a:rPr lang="en-GB" dirty="0" err="1" smtClean="0"/>
+              <a:t>Mymethod</a:t>
+            </a:r>
+            <a:r>
+              <a:rPr lang="en-GB" dirty="0" smtClean="0"/>
+              <a:t>(</a:t>
+            </a:r>
+            <a:r>
+              <a:rPr lang="en-GB" dirty="0" err="1" smtClean="0"/>
+              <a:t>int</a:t>
+            </a:r>
+            <a:r>
+              <a:rPr lang="en-GB" dirty="0" smtClean="0"/>
+              <a:t> x){</a:t>
+            </a:r>
+          </a:p>
+          <a:p>
+            <a:pPr marL="0" indent="0">
+              <a:buNone/>
+            </a:pPr>
+            <a:r>
+              <a:rPr lang="en-GB" dirty="0" smtClean="0"/>
+              <a:t>//do something;</a:t>
+            </a:r>
+            <a:endParaRPr lang="en-GB" dirty="0"/>
+          </a:p>
+          <a:p>
+            <a:pPr marL="0" indent="0">
+              <a:buNone/>
+            </a:pPr>
+            <a:r>
+              <a:rPr lang="en-GB" dirty="0" smtClean="0"/>
+              <a:t>}</a:t>
+            </a:r>
+          </a:p>
+          <a:p>
+            <a:pPr marL="0" indent="0">
+              <a:buNone/>
+            </a:pPr>
+            <a:endParaRPr lang="en-GB" dirty="0"/>
+          </a:p>
+          <a:p>
+            <a:pPr marL="0" indent="0">
+              <a:buNone/>
+            </a:pPr>
+            <a:r>
+              <a:rPr lang="en-GB" dirty="0" err="1" smtClean="0"/>
+              <a:t>Mymethod</a:t>
+            </a:r>
+            <a:r>
+              <a:rPr lang="en-GB" dirty="0" smtClean="0"/>
+              <a:t>(</a:t>
+            </a:r>
+            <a:r>
+              <a:rPr lang="en-GB" dirty="0" err="1" smtClean="0"/>
+              <a:t>int</a:t>
+            </a:r>
+            <a:r>
+              <a:rPr lang="en-GB" dirty="0" smtClean="0"/>
+              <a:t> x, </a:t>
+            </a:r>
+            <a:r>
+              <a:rPr lang="en-GB" dirty="0" err="1" smtClean="0"/>
+              <a:t>int</a:t>
+            </a:r>
+            <a:r>
+              <a:rPr lang="en-GB" dirty="0" smtClean="0"/>
+              <a:t> y){</a:t>
+            </a:r>
+          </a:p>
+          <a:p>
+            <a:pPr marL="0" indent="0">
+              <a:buNone/>
+            </a:pPr>
+            <a:r>
+              <a:rPr lang="en-GB" dirty="0" smtClean="0"/>
+              <a:t>//do something else</a:t>
+            </a:r>
+            <a:endParaRPr lang="en-GB" dirty="0"/>
+          </a:p>
+          <a:p>
+            <a:pPr marL="0" indent="0">
+              <a:buNone/>
+            </a:pPr>
+            <a:r>
+              <a:rPr lang="en-GB" dirty="0" smtClean="0"/>
+              <a:t>}</a:t>
+            </a:r>
+            <a:endParaRPr lang="en-US" dirty="0"/>
+          </a:p>
+        </p:txBody>
+      </p:sp>
+    </p:spTree>
+    <p:extLst>
+      <p:ext uri="{BB962C8B-B14F-4D97-AF65-F5344CB8AC3E}">
+        <p14:creationId xmlns:p14="http://schemas.microsoft.com/office/powerpoint/2010/main" val="2512240417"/>
+      </p:ext>
+    </p:extLst>
+  </p:cSld>
+  <p:clrMapOvr>
+    <a:masterClrMapping/>
+  </p:clrMapOvr>
+</p:sld>
+</file>
+
+<file path=ppt/slides/slide15.xml><?xml version="1.0" encoding="utf-8"?>
+<p:sld xmlns:a="http://schemas.openxmlformats.org/drawingml/2006/main" xmlns:r="http://schemas.openxmlformats.org/officeDocument/2006/relationships" xmlns:p="http://schemas.openxmlformats.org/presentationml/2006/main">
+  <p:cSld>
+    <p:spTree>
+      <p:nvGrpSpPr>
+        <p:cNvPr id="1" name=""/>
+        <p:cNvGrpSpPr/>
+        <p:nvPr/>
+      </p:nvGrpSpPr>
+      <p:grpSpPr>
+        <a:xfrm>
+          <a:off x="0" y="0"/>
+          <a:ext cx="0" cy="0"/>
+          <a:chOff x="0" y="0"/>
+          <a:chExt cx="0" cy="0"/>
+        </a:xfrm>
+      </p:grpSpPr>
+      <p:sp>
+        <p:nvSpPr>
+          <p:cNvPr id="2" name="Title 1"/>
+          <p:cNvSpPr>
+            <a:spLocks noGrp="1"/>
+          </p:cNvSpPr>
+          <p:nvPr>
+            <p:ph type="title"/>
+          </p:nvPr>
+        </p:nvSpPr>
+        <p:spPr/>
+        <p:txBody>
+          <a:bodyPr/>
+          <a:lstStyle/>
+          <a:p>
+            <a:r>
+              <a:rPr lang="en-GB" dirty="0" smtClean="0"/>
+              <a:t>Encapsulation</a:t>
+            </a:r>
+            <a:endParaRPr lang="en-US" dirty="0"/>
+          </a:p>
+        </p:txBody>
+      </p:sp>
+      <p:sp>
+        <p:nvSpPr>
+          <p:cNvPr id="3" name="Content Placeholder 2"/>
+          <p:cNvSpPr>
+            <a:spLocks noGrp="1"/>
+          </p:cNvSpPr>
+          <p:nvPr>
+            <p:ph idx="1"/>
+          </p:nvPr>
+        </p:nvSpPr>
+        <p:spPr/>
+        <p:txBody>
+          <a:bodyPr>
+            <a:normAutofit fontScale="92500" lnSpcReduction="10000"/>
+          </a:bodyPr>
+          <a:lstStyle/>
+          <a:p>
+            <a:pPr algn="just"/>
+            <a:r>
+              <a:rPr lang="en-GB" dirty="0" smtClean="0"/>
+              <a:t>The concept of encapsulation is one you are familiar with.  It is the wrapping together of data and code used in manipulating such data as one unit (class).</a:t>
+            </a:r>
+            <a:endParaRPr lang="en-GB" dirty="0"/>
+          </a:p>
+          <a:p>
+            <a:r>
+              <a:rPr lang="en-US" dirty="0"/>
+              <a:t>To achieve encapsulation in Java −</a:t>
+            </a:r>
+          </a:p>
+          <a:p>
+            <a:pPr marL="742950" indent="-742950" algn="just">
+              <a:buFont typeface="+mj-lt"/>
+              <a:buAutoNum type="alphaLcPeriod"/>
+            </a:pPr>
+            <a:r>
+              <a:rPr lang="en-US" dirty="0"/>
+              <a:t>Declare the variables of a class as private.</a:t>
+            </a:r>
+          </a:p>
+          <a:p>
+            <a:pPr marL="742950" indent="-742950" algn="just">
+              <a:buFont typeface="+mj-lt"/>
+              <a:buAutoNum type="alphaLcPeriod"/>
+            </a:pPr>
+            <a:r>
+              <a:rPr lang="en-US" dirty="0"/>
+              <a:t>Provide public setter and getter methods to modify and view the variables values</a:t>
+            </a:r>
+            <a:r>
+              <a:rPr lang="en-US" dirty="0" smtClean="0"/>
+              <a:t>.</a:t>
+            </a:r>
+            <a:endParaRPr lang="en-US" dirty="0"/>
+          </a:p>
+        </p:txBody>
+      </p:sp>
+    </p:spTree>
+    <p:extLst>
+      <p:ext uri="{BB962C8B-B14F-4D97-AF65-F5344CB8AC3E}">
+        <p14:creationId xmlns:p14="http://schemas.microsoft.com/office/powerpoint/2010/main" val="2291071828"/>
+      </p:ext>
+    </p:extLst>
+  </p:cSld>
+  <p:clrMapOvr>
+    <a:masterClrMapping/>
+  </p:clrMapOvr>
+</p:sld>
+</file>
+
+<file path=ppt/slides/slide16.xml><?xml version="1.0" encoding="utf-8"?>
+<p:sld xmlns:a="http://schemas.openxmlformats.org/drawingml/2006/main" xmlns:r="http://schemas.openxmlformats.org/officeDocument/2006/relationships" xmlns:p="http://schemas.openxmlformats.org/presentationml/2006/main">
+  <p:cSld>
+    <p:spTree>
+      <p:nvGrpSpPr>
+        <p:cNvPr id="1" name=""/>
+        <p:cNvGrpSpPr/>
+        <p:nvPr/>
+      </p:nvGrpSpPr>
+      <p:grpSpPr>
+        <a:xfrm>
+          <a:off x="0" y="0"/>
+          <a:ext cx="0" cy="0"/>
+          <a:chOff x="0" y="0"/>
+          <a:chExt cx="0" cy="0"/>
+        </a:xfrm>
+      </p:grpSpPr>
+      <p:sp>
+        <p:nvSpPr>
+          <p:cNvPr id="2" name="Title 1"/>
+          <p:cNvSpPr>
+            <a:spLocks noGrp="1"/>
+          </p:cNvSpPr>
+          <p:nvPr>
+            <p:ph type="title"/>
+          </p:nvPr>
+        </p:nvSpPr>
+        <p:spPr/>
+        <p:txBody>
+          <a:bodyPr/>
+          <a:lstStyle/>
+          <a:p>
+            <a:r>
+              <a:rPr lang="en-GB" dirty="0" smtClean="0"/>
+              <a:t>Encapsulation example</a:t>
+            </a:r>
+            <a:endParaRPr lang="en-US" dirty="0"/>
+          </a:p>
+        </p:txBody>
+      </p:sp>
+      <p:sp>
+        <p:nvSpPr>
+          <p:cNvPr id="3" name="Content Placeholder 2"/>
+          <p:cNvSpPr>
+            <a:spLocks noGrp="1"/>
+          </p:cNvSpPr>
+          <p:nvPr>
+            <p:ph idx="1"/>
+          </p:nvPr>
+        </p:nvSpPr>
+        <p:spPr/>
+        <p:txBody>
+          <a:bodyPr>
+            <a:normAutofit fontScale="47500" lnSpcReduction="20000"/>
+          </a:bodyPr>
+          <a:lstStyle/>
+          <a:p>
+            <a:pPr marL="0" indent="0">
+              <a:buNone/>
+            </a:pPr>
+            <a:r>
+              <a:rPr lang="en-US" dirty="0"/>
+              <a:t>public </a:t>
+            </a:r>
+            <a:r>
+              <a:rPr lang="en-US" dirty="0" smtClean="0"/>
+              <a:t>class </a:t>
+            </a:r>
+            <a:r>
+              <a:rPr lang="en-US" dirty="0" err="1" smtClean="0"/>
+              <a:t>myMethodTest</a:t>
+            </a:r>
+            <a:r>
+              <a:rPr lang="en-US" dirty="0" smtClean="0"/>
+              <a:t> </a:t>
+            </a:r>
+            <a:r>
+              <a:rPr lang="en-US" dirty="0"/>
+              <a:t>{</a:t>
+            </a:r>
+          </a:p>
+          <a:p>
+            <a:pPr marL="0" indent="0">
+              <a:buNone/>
+            </a:pPr>
+            <a:r>
+              <a:rPr lang="en-US" b="1" dirty="0"/>
+              <a:t>   private String name;</a:t>
+            </a:r>
+          </a:p>
+          <a:p>
+            <a:pPr marL="0" indent="0">
+              <a:buNone/>
+            </a:pPr>
+            <a:r>
+              <a:rPr lang="en-US" b="1" dirty="0"/>
+              <a:t>   private String </a:t>
+            </a:r>
+            <a:r>
+              <a:rPr lang="en-US" b="1" dirty="0" err="1"/>
+              <a:t>idNum</a:t>
+            </a:r>
+            <a:r>
+              <a:rPr lang="en-US" b="1" dirty="0" smtClean="0"/>
+              <a:t>; //variables declared as private</a:t>
+            </a:r>
+            <a:endParaRPr lang="en-US" b="1" dirty="0"/>
+          </a:p>
+          <a:p>
+            <a:pPr marL="0" indent="0">
+              <a:buNone/>
+            </a:pPr>
+            <a:r>
+              <a:rPr lang="en-US" b="1" dirty="0"/>
+              <a:t>   private </a:t>
+            </a:r>
+            <a:r>
+              <a:rPr lang="en-US" b="1" dirty="0" err="1"/>
+              <a:t>int</a:t>
+            </a:r>
+            <a:r>
+              <a:rPr lang="en-US" b="1" dirty="0"/>
+              <a:t> age</a:t>
+            </a:r>
+            <a:r>
+              <a:rPr lang="en-US" b="1" dirty="0" smtClean="0"/>
+              <a:t>;</a:t>
+            </a:r>
+            <a:endParaRPr lang="en-US" b="1" dirty="0"/>
+          </a:p>
+          <a:p>
+            <a:pPr marL="0" indent="0">
+              <a:buNone/>
+            </a:pPr>
+            <a:r>
+              <a:rPr lang="en-US" dirty="0"/>
+              <a:t>   public </a:t>
+            </a:r>
+            <a:r>
+              <a:rPr lang="en-US" dirty="0" err="1"/>
+              <a:t>int</a:t>
+            </a:r>
+            <a:r>
+              <a:rPr lang="en-US" dirty="0"/>
+              <a:t> </a:t>
+            </a:r>
+            <a:r>
+              <a:rPr lang="en-US" dirty="0" err="1"/>
+              <a:t>getAge</a:t>
+            </a:r>
+            <a:r>
+              <a:rPr lang="en-US" dirty="0"/>
+              <a:t>() </a:t>
+            </a:r>
+            <a:r>
+              <a:rPr lang="en-US" dirty="0" smtClean="0"/>
+              <a:t>{ </a:t>
+            </a:r>
+            <a:r>
+              <a:rPr lang="en-US" b="1" dirty="0" smtClean="0"/>
+              <a:t>// public setter and getter methods to modify the variables</a:t>
+            </a:r>
+            <a:endParaRPr lang="en-US" b="1" dirty="0"/>
+          </a:p>
+          <a:p>
+            <a:pPr marL="0" indent="0">
+              <a:buNone/>
+            </a:pPr>
+            <a:r>
+              <a:rPr lang="en-US" dirty="0"/>
+              <a:t>      return age;</a:t>
+            </a:r>
+          </a:p>
+          <a:p>
+            <a:pPr marL="0" indent="0">
+              <a:buNone/>
+            </a:pPr>
+            <a:r>
+              <a:rPr lang="en-US" dirty="0"/>
+              <a:t>   </a:t>
+            </a:r>
+            <a:r>
+              <a:rPr lang="en-US" dirty="0" smtClean="0"/>
+              <a:t>}</a:t>
+            </a:r>
+            <a:endParaRPr lang="en-US" dirty="0"/>
+          </a:p>
+          <a:p>
+            <a:pPr marL="0" indent="0">
+              <a:buNone/>
+            </a:pPr>
+            <a:r>
+              <a:rPr lang="en-US" dirty="0"/>
+              <a:t>   public String </a:t>
+            </a:r>
+            <a:r>
+              <a:rPr lang="en-US" dirty="0" err="1"/>
+              <a:t>getName</a:t>
+            </a:r>
+            <a:r>
+              <a:rPr lang="en-US" dirty="0"/>
+              <a:t>() {</a:t>
+            </a:r>
+          </a:p>
+          <a:p>
+            <a:pPr marL="0" indent="0">
+              <a:buNone/>
+            </a:pPr>
+            <a:r>
+              <a:rPr lang="en-US" dirty="0"/>
+              <a:t>      return name;</a:t>
+            </a:r>
+          </a:p>
+          <a:p>
+            <a:pPr marL="0" indent="0">
+              <a:buNone/>
+            </a:pPr>
+            <a:r>
+              <a:rPr lang="en-US" dirty="0"/>
+              <a:t>   </a:t>
+            </a:r>
+            <a:r>
+              <a:rPr lang="en-US" dirty="0" smtClean="0"/>
+              <a:t>}   </a:t>
+            </a:r>
+            <a:r>
+              <a:rPr lang="en-US" dirty="0"/>
+              <a:t>public void </a:t>
+            </a:r>
+            <a:r>
+              <a:rPr lang="en-US" dirty="0" err="1"/>
+              <a:t>setIdNum</a:t>
+            </a:r>
+            <a:r>
+              <a:rPr lang="en-US" dirty="0"/>
+              <a:t>( String </a:t>
+            </a:r>
+            <a:r>
+              <a:rPr lang="en-US" dirty="0" err="1"/>
+              <a:t>newId</a:t>
+            </a:r>
+            <a:r>
+              <a:rPr lang="en-US" dirty="0"/>
+              <a:t>) {</a:t>
+            </a:r>
+          </a:p>
+          <a:p>
+            <a:pPr marL="0" indent="0">
+              <a:buNone/>
+            </a:pPr>
+            <a:r>
+              <a:rPr lang="en-US" dirty="0"/>
+              <a:t>      </a:t>
+            </a:r>
+            <a:r>
+              <a:rPr lang="en-US" dirty="0" err="1"/>
+              <a:t>idNum</a:t>
+            </a:r>
+            <a:r>
+              <a:rPr lang="en-US" dirty="0"/>
+              <a:t> = </a:t>
+            </a:r>
+            <a:r>
+              <a:rPr lang="en-US" dirty="0" err="1"/>
+              <a:t>newId</a:t>
+            </a:r>
+            <a:r>
+              <a:rPr lang="en-US" dirty="0"/>
+              <a:t>;</a:t>
+            </a:r>
+          </a:p>
+          <a:p>
+            <a:pPr marL="0" indent="0">
+              <a:buNone/>
+            </a:pPr>
+            <a:r>
+              <a:rPr lang="en-US" dirty="0"/>
+              <a:t>   }</a:t>
+            </a:r>
+          </a:p>
+          <a:p>
+            <a:pPr marL="0" indent="0">
+              <a:buNone/>
+            </a:pPr>
+            <a:r>
+              <a:rPr lang="en-US" dirty="0"/>
+              <a:t>}</a:t>
+            </a:r>
+          </a:p>
+        </p:txBody>
+      </p:sp>
+    </p:spTree>
+    <p:extLst>
+      <p:ext uri="{BB962C8B-B14F-4D97-AF65-F5344CB8AC3E}">
+        <p14:creationId xmlns:p14="http://schemas.microsoft.com/office/powerpoint/2010/main" val="2107376893"/>
+      </p:ext>
+    </p:extLst>
+  </p:cSld>
+  <p:clrMapOvr>
+    <a:masterClrMapping/>
+  </p:clrMapOvr>
+</p:sld>
+</file>
+
+<file path=ppt/slides/slide17.xml><?xml version="1.0" encoding="utf-8"?>
+<p:sld xmlns:a="http://schemas.openxmlformats.org/drawingml/2006/main" xmlns:r="http://schemas.openxmlformats.org/officeDocument/2006/relationships" xmlns:p="http://schemas.openxmlformats.org/presentationml/2006/main">
+  <p:cSld>
+    <p:spTree>
+      <p:nvGrpSpPr>
+        <p:cNvPr id="1" name=""/>
+        <p:cNvGrpSpPr/>
+        <p:nvPr/>
+      </p:nvGrpSpPr>
+      <p:grpSpPr>
+        <a:xfrm>
+          <a:off x="0" y="0"/>
+          <a:ext cx="0" cy="0"/>
+          <a:chOff x="0" y="0"/>
+          <a:chExt cx="0" cy="0"/>
+        </a:xfrm>
+      </p:grpSpPr>
+      <p:sp>
+        <p:nvSpPr>
+          <p:cNvPr id="2" name="Title 1"/>
+          <p:cNvSpPr>
+            <a:spLocks noGrp="1"/>
+          </p:cNvSpPr>
+          <p:nvPr>
+            <p:ph type="title"/>
+          </p:nvPr>
+        </p:nvSpPr>
+        <p:spPr/>
+        <p:txBody>
+          <a:bodyPr/>
+          <a:lstStyle/>
+          <a:p>
+            <a:r>
+              <a:rPr lang="en-GB" dirty="0" smtClean="0"/>
+              <a:t>Abstraction and Abstract classes</a:t>
+            </a:r>
+            <a:endParaRPr lang="en-US" dirty="0"/>
+          </a:p>
+        </p:txBody>
+      </p:sp>
+      <p:sp>
+        <p:nvSpPr>
+          <p:cNvPr id="3" name="Content Placeholder 2"/>
+          <p:cNvSpPr>
+            <a:spLocks noGrp="1"/>
+          </p:cNvSpPr>
+          <p:nvPr>
+            <p:ph idx="1"/>
+          </p:nvPr>
+        </p:nvSpPr>
+        <p:spPr/>
+        <p:txBody>
+          <a:bodyPr>
+            <a:normAutofit fontScale="77500" lnSpcReduction="20000"/>
+          </a:bodyPr>
+          <a:lstStyle/>
+          <a:p>
+            <a:pPr algn="just"/>
+            <a:r>
+              <a:rPr lang="en-US" dirty="0" smtClean="0"/>
+              <a:t>Abstraction</a:t>
+            </a:r>
+            <a:r>
+              <a:rPr lang="en-US" dirty="0"/>
+              <a:t> is the concept of object-oriented programming that "shows" only essential attributes and "hides" unnecessary information. </a:t>
+            </a:r>
+            <a:endParaRPr lang="en-US" dirty="0" smtClean="0"/>
+          </a:p>
+          <a:p>
+            <a:pPr algn="just"/>
+            <a:r>
+              <a:rPr lang="en-US" dirty="0" smtClean="0"/>
+              <a:t>The </a:t>
+            </a:r>
+            <a:r>
+              <a:rPr lang="en-US" dirty="0"/>
+              <a:t>main purpose of abstraction is hiding the unnecessary details from the users</a:t>
+            </a:r>
+            <a:r>
+              <a:rPr lang="en-US" dirty="0" smtClean="0"/>
+              <a:t>. To achieve this we use abstract classes.</a:t>
+            </a:r>
+            <a:endParaRPr lang="en-US" dirty="0"/>
+          </a:p>
+          <a:p>
+            <a:pPr algn="just"/>
+            <a:r>
+              <a:rPr lang="en-US" dirty="0"/>
+              <a:t>Abstract Class is a type of class in OOPs, that declare one or more abstract methods. </a:t>
+            </a:r>
+            <a:endParaRPr lang="en-US" dirty="0" smtClean="0"/>
+          </a:p>
+          <a:p>
+            <a:pPr algn="just"/>
+            <a:r>
+              <a:rPr lang="en-US" dirty="0" smtClean="0"/>
+              <a:t>These </a:t>
+            </a:r>
+            <a:r>
+              <a:rPr lang="en-US" dirty="0"/>
+              <a:t>classes can have abstract methods as well as concrete methods. </a:t>
+            </a:r>
+            <a:endParaRPr lang="en-US" dirty="0" smtClean="0"/>
+          </a:p>
+          <a:p>
+            <a:pPr algn="just"/>
+            <a:r>
+              <a:rPr lang="en-US" dirty="0" smtClean="0"/>
+              <a:t>A </a:t>
+            </a:r>
+            <a:r>
+              <a:rPr lang="en-US" dirty="0"/>
+              <a:t>normal class cannot have abstract methods. An abstract class is a class that contains at least one abstract method.</a:t>
+            </a:r>
+          </a:p>
+        </p:txBody>
+      </p:sp>
+    </p:spTree>
+    <p:extLst>
+      <p:ext uri="{BB962C8B-B14F-4D97-AF65-F5344CB8AC3E}">
+        <p14:creationId xmlns:p14="http://schemas.microsoft.com/office/powerpoint/2010/main" val="1674508483"/>
+      </p:ext>
+    </p:extLst>
+  </p:cSld>
+  <p:clrMapOvr>
+    <a:masterClrMapping/>
+  </p:clrMapOvr>
+</p:sld>
+</file>
+
+<file path=ppt/slides/slide18.xml><?xml version="1.0" encoding="utf-8"?>
+<p:sld xmlns:a="http://schemas.openxmlformats.org/drawingml/2006/main" xmlns:r="http://schemas.openxmlformats.org/officeDocument/2006/relationships" xmlns:p="http://schemas.openxmlformats.org/presentationml/2006/main">
+  <p:cSld>
+    <p:spTree>
+      <p:nvGrpSpPr>
+        <p:cNvPr id="1" name=""/>
+        <p:cNvGrpSpPr/>
+        <p:nvPr/>
+      </p:nvGrpSpPr>
+      <p:grpSpPr>
+        <a:xfrm>
+          <a:off x="0" y="0"/>
+          <a:ext cx="0" cy="0"/>
+          <a:chOff x="0" y="0"/>
+          <a:chExt cx="0" cy="0"/>
+        </a:xfrm>
+      </p:grpSpPr>
+      <p:sp>
+        <p:nvSpPr>
+          <p:cNvPr id="2" name="Title 1"/>
+          <p:cNvSpPr>
+            <a:spLocks noGrp="1"/>
+          </p:cNvSpPr>
+          <p:nvPr>
+            <p:ph type="title"/>
+          </p:nvPr>
+        </p:nvSpPr>
+        <p:spPr/>
+        <p:txBody>
+          <a:bodyPr/>
+          <a:lstStyle/>
+          <a:p>
+            <a:r>
+              <a:rPr lang="en-GB" dirty="0" smtClean="0"/>
+              <a:t>Example </a:t>
+            </a:r>
+            <a:r>
+              <a:rPr lang="en-GB" smtClean="0"/>
+              <a:t>of an Abstract </a:t>
+            </a:r>
+            <a:r>
+              <a:rPr lang="en-GB" dirty="0" smtClean="0"/>
+              <a:t>class</a:t>
+            </a:r>
+            <a:endParaRPr lang="en-US" dirty="0"/>
+          </a:p>
+        </p:txBody>
+      </p:sp>
+      <p:sp>
+        <p:nvSpPr>
+          <p:cNvPr id="3" name="Content Placeholder 2"/>
+          <p:cNvSpPr>
+            <a:spLocks noGrp="1"/>
+          </p:cNvSpPr>
+          <p:nvPr>
+            <p:ph idx="1"/>
+          </p:nvPr>
+        </p:nvSpPr>
+        <p:spPr/>
+        <p:txBody>
+          <a:bodyPr/>
+          <a:lstStyle/>
+          <a:p>
+            <a:endParaRPr lang="en-US"/>
+          </a:p>
+        </p:txBody>
+      </p:sp>
+    </p:spTree>
+    <p:extLst>
+      <p:ext uri="{BB962C8B-B14F-4D97-AF65-F5344CB8AC3E}">
+        <p14:creationId xmlns:p14="http://schemas.microsoft.com/office/powerpoint/2010/main" val="2382123051"/>
+      </p:ext>
+    </p:extLst>
+  </p:cSld>
+  <p:clrMapOvr>
+    <a:masterClrMapping/>
+  </p:clrMapOvr>
+</p:sld>
+</file>
+
+<file path=ppt/slides/slide19.xml><?xml version="1.0" encoding="utf-8"?>
+<p:sld xmlns:a="http://schemas.openxmlformats.org/drawingml/2006/main" xmlns:r="http://schemas.openxmlformats.org/officeDocument/2006/relationships" xmlns:p="http://schemas.openxmlformats.org/presentationml/2006/main">
+  <p:cSld>
+    <p:spTree>
+      <p:nvGrpSpPr>
+        <p:cNvPr id="1" name=""/>
+        <p:cNvGrpSpPr/>
+        <p:nvPr/>
+      </p:nvGrpSpPr>
+      <p:grpSpPr>
+        <a:xfrm>
+          <a:off x="0" y="0"/>
+          <a:ext cx="0" cy="0"/>
+          <a:chOff x="0" y="0"/>
+          <a:chExt cx="0" cy="0"/>
+        </a:xfrm>
+      </p:grpSpPr>
+      <p:sp>
+        <p:nvSpPr>
+          <p:cNvPr id="2" name="Title 1"/>
+          <p:cNvSpPr>
+            <a:spLocks noGrp="1"/>
+          </p:cNvSpPr>
+          <p:nvPr>
+            <p:ph type="title"/>
+          </p:nvPr>
+        </p:nvSpPr>
+        <p:spPr>
+          <a:xfrm>
+            <a:off x="480837" y="248546"/>
+            <a:ext cx="11518329" cy="1020214"/>
+          </a:xfrm>
+        </p:spPr>
+        <p:txBody>
+          <a:bodyPr>
+            <a:noAutofit/>
+          </a:bodyPr>
+          <a:lstStyle/>
+          <a:p>
+            <a:r>
+              <a:rPr lang="en-GB" sz="4000" dirty="0" smtClean="0"/>
+              <a:t>Difference between Abstraction and Encapsulation</a:t>
+            </a:r>
+            <a:endParaRPr lang="en-US" sz="4000" dirty="0"/>
+          </a:p>
+        </p:txBody>
+      </p:sp>
+      <p:graphicFrame>
+        <p:nvGraphicFramePr>
+          <p:cNvPr id="5" name="Content Placeholder 4"/>
+          <p:cNvGraphicFramePr>
+            <a:graphicFrameLocks noGrp="1"/>
+          </p:cNvGraphicFramePr>
+          <p:nvPr>
+            <p:ph idx="1"/>
+            <p:extLst>
+              <p:ext uri="{D42A27DB-BD31-4B8C-83A1-F6EECF244321}">
+                <p14:modId xmlns:p14="http://schemas.microsoft.com/office/powerpoint/2010/main" val="281007024"/>
+              </p:ext>
+            </p:extLst>
+          </p:nvPr>
+        </p:nvGraphicFramePr>
+        <p:xfrm>
+          <a:off x="200915" y="1504177"/>
+          <a:ext cx="11519722" cy="4358640"/>
+        </p:xfrm>
+        <a:graphic>
+          <a:graphicData uri="http://schemas.openxmlformats.org/drawingml/2006/table">
+            <a:tbl>
+              <a:tblPr firstRow="1" bandRow="1">
+                <a:tableStyleId>{2D5ABB26-0587-4C30-8999-92F81FD0307C}</a:tableStyleId>
+              </a:tblPr>
+              <a:tblGrid>
+                <a:gridCol w="5759861"/>
+                <a:gridCol w="5759861"/>
+              </a:tblGrid>
+              <a:tr h="390113">
+                <a:tc>
+                  <a:txBody>
+                    <a:bodyPr/>
+                    <a:lstStyle/>
+                    <a:p>
+                      <a:pPr algn="l" fontAlgn="t"/>
+                      <a:r>
+                        <a:rPr lang="en-US" sz="2400" b="1" dirty="0">
+                          <a:effectLst/>
+                        </a:rPr>
+                        <a:t>Abstraction</a:t>
+                      </a:r>
+                      <a:endParaRPr lang="en-US" sz="2400" dirty="0">
+                        <a:effectLst/>
+                      </a:endParaRPr>
+                    </a:p>
+                  </a:txBody>
+                  <a:tcPr marL="76200" marR="76200" marT="76200" marB="76200"/>
+                </a:tc>
+                <a:tc>
+                  <a:txBody>
+                    <a:bodyPr/>
+                    <a:lstStyle/>
+                    <a:p>
+                      <a:pPr algn="l" fontAlgn="t"/>
+                      <a:r>
+                        <a:rPr lang="en-US" sz="2400" b="1">
+                          <a:effectLst/>
+                        </a:rPr>
+                        <a:t>Encapsulation</a:t>
+                      </a:r>
+                      <a:endParaRPr lang="en-US" sz="2400">
+                        <a:effectLst/>
+                      </a:endParaRPr>
+                    </a:p>
+                  </a:txBody>
+                  <a:tcPr marL="76200" marR="76200" marT="76200" marB="76200"/>
+                </a:tc>
+              </a:tr>
+              <a:tr h="640858">
+                <a:tc>
+                  <a:txBody>
+                    <a:bodyPr/>
+                    <a:lstStyle/>
+                    <a:p>
+                      <a:pPr algn="l" fontAlgn="t"/>
+                      <a:r>
+                        <a:rPr lang="en-US" sz="2400">
+                          <a:effectLst/>
+                        </a:rPr>
+                        <a:t>Abstraction in Object Oriented Programming solves the issues at the design level.</a:t>
+                      </a:r>
+                    </a:p>
+                  </a:txBody>
+                  <a:tcPr marL="76200" marR="76200" marT="76200" marB="76200"/>
+                </a:tc>
+                <a:tc>
+                  <a:txBody>
+                    <a:bodyPr/>
+                    <a:lstStyle/>
+                    <a:p>
+                      <a:pPr algn="l" fontAlgn="t"/>
+                      <a:r>
+                        <a:rPr lang="en-US" sz="2400" dirty="0">
+                          <a:effectLst/>
+                        </a:rPr>
+                        <a:t>Encapsulation solves </a:t>
+                      </a:r>
+                      <a:r>
+                        <a:rPr lang="en-US" sz="2400" dirty="0" smtClean="0">
+                          <a:effectLst/>
+                        </a:rPr>
+                        <a:t>it at </a:t>
+                      </a:r>
+                      <a:r>
+                        <a:rPr lang="en-US" sz="2400" dirty="0">
+                          <a:effectLst/>
+                        </a:rPr>
+                        <a:t>implementation level.</a:t>
+                      </a:r>
+                    </a:p>
+                  </a:txBody>
+                  <a:tcPr marL="76200" marR="76200" marT="76200" marB="76200"/>
+                </a:tc>
+              </a:tr>
+              <a:tr h="640858">
+                <a:tc>
+                  <a:txBody>
+                    <a:bodyPr/>
+                    <a:lstStyle/>
+                    <a:p>
+                      <a:pPr algn="l" fontAlgn="t"/>
+                      <a:r>
+                        <a:rPr lang="en-US" sz="2400">
+                          <a:effectLst/>
+                        </a:rPr>
+                        <a:t>Abstraction in Programming is about hiding unwanted details while showing most essential information.</a:t>
+                      </a:r>
+                    </a:p>
+                  </a:txBody>
+                  <a:tcPr marL="76200" marR="76200" marT="76200" marB="76200"/>
+                </a:tc>
+                <a:tc>
+                  <a:txBody>
+                    <a:bodyPr/>
+                    <a:lstStyle/>
+                    <a:p>
+                      <a:pPr algn="l" fontAlgn="t"/>
+                      <a:r>
+                        <a:rPr lang="en-US" sz="2400">
+                          <a:effectLst/>
+                        </a:rPr>
+                        <a:t>Encapsulation means binding the code and data into a single unit.</a:t>
+                      </a:r>
+                    </a:p>
+                  </a:txBody>
+                  <a:tcPr marL="76200" marR="76200" marT="76200" marB="76200"/>
+                </a:tc>
+              </a:tr>
+              <a:tr h="640858">
+                <a:tc>
+                  <a:txBody>
+                    <a:bodyPr/>
+                    <a:lstStyle/>
+                    <a:p>
+                      <a:pPr algn="l" fontAlgn="t"/>
+                      <a:r>
+                        <a:rPr lang="en-US" sz="2400" dirty="0">
+                          <a:effectLst/>
+                        </a:rPr>
+                        <a:t>Data Abstraction in Java allows </a:t>
+                      </a:r>
+                      <a:r>
+                        <a:rPr lang="en-US" sz="2400" dirty="0" smtClean="0">
+                          <a:effectLst/>
+                        </a:rPr>
+                        <a:t>focusing </a:t>
+                      </a:r>
+                      <a:r>
+                        <a:rPr lang="en-US" sz="2400" dirty="0">
+                          <a:effectLst/>
+                        </a:rPr>
+                        <a:t>on what the information object must contain</a:t>
+                      </a:r>
+                    </a:p>
+                  </a:txBody>
+                  <a:tcPr marL="76200" marR="76200" marT="76200" marB="76200"/>
+                </a:tc>
+                <a:tc>
+                  <a:txBody>
+                    <a:bodyPr/>
+                    <a:lstStyle/>
+                    <a:p>
+                      <a:pPr algn="l" fontAlgn="t"/>
+                      <a:r>
+                        <a:rPr lang="en-US" sz="2400" dirty="0">
+                          <a:effectLst/>
+                        </a:rPr>
+                        <a:t>Encapsulation means hiding the internal details or mechanics of how an object does something for security reasons.</a:t>
+                      </a:r>
+                    </a:p>
+                  </a:txBody>
+                  <a:tcPr marL="76200" marR="76200" marT="76200" marB="76200"/>
+                </a:tc>
+              </a:tr>
+              <a:tr h="339128">
+                <a:tc>
+                  <a:txBody>
+                    <a:bodyPr/>
+                    <a:lstStyle/>
+                    <a:p>
+                      <a:endParaRPr lang="en-US" sz="2400"/>
+                    </a:p>
+                  </a:txBody>
+                  <a:tcPr/>
+                </a:tc>
+                <a:tc>
+                  <a:txBody>
+                    <a:bodyPr/>
+                    <a:lstStyle/>
+                    <a:p>
+                      <a:endParaRPr lang="en-US" sz="2400" dirty="0"/>
+                    </a:p>
+                  </a:txBody>
+                  <a:tcPr/>
+                </a:tc>
+              </a:tr>
+            </a:tbl>
+          </a:graphicData>
+        </a:graphic>
+      </p:graphicFrame>
+    </p:spTree>
+    <p:extLst>
+      <p:ext uri="{BB962C8B-B14F-4D97-AF65-F5344CB8AC3E}">
+        <p14:creationId xmlns:p14="http://schemas.microsoft.com/office/powerpoint/2010/main" val="3579742740"/>
+      </p:ext>
+    </p:extLst>
+  </p:cSld>
+  <p:clrMapOvr>
+    <a:masterClrMapping/>
+  </p:clrMapOvr>
 </p:sld>
 </file>
 
@@ -7044,6 +8146,407 @@
     <p:extLst>
       <p:ext uri="{BB962C8B-B14F-4D97-AF65-F5344CB8AC3E}">
         <p14:creationId xmlns:p14="http://schemas.microsoft.com/office/powerpoint/2010/main" val="65154602"/>
+      </p:ext>
+    </p:extLst>
+  </p:cSld>
+  <p:clrMapOvr>
+    <a:masterClrMapping/>
+  </p:clrMapOvr>
+  <p:timing>
+    <p:tnLst>
+      <p:par>
+        <p:cTn id="1" dur="indefinite" restart="never" nodeType="tmRoot"/>
+      </p:par>
+    </p:tnLst>
+  </p:timing>
+</p:sld>
+</file>
+
+<file path=ppt/slides/slide20.xml><?xml version="1.0" encoding="utf-8"?>
+<p:sld xmlns:a="http://schemas.openxmlformats.org/drawingml/2006/main" xmlns:r="http://schemas.openxmlformats.org/officeDocument/2006/relationships" xmlns:p="http://schemas.openxmlformats.org/presentationml/2006/main">
+  <p:cSld>
+    <p:spTree>
+      <p:nvGrpSpPr>
+        <p:cNvPr id="1" name=""/>
+        <p:cNvGrpSpPr/>
+        <p:nvPr/>
+      </p:nvGrpSpPr>
+      <p:grpSpPr>
+        <a:xfrm>
+          <a:off x="0" y="0"/>
+          <a:ext cx="0" cy="0"/>
+          <a:chOff x="0" y="0"/>
+          <a:chExt cx="0" cy="0"/>
+        </a:xfrm>
+      </p:grpSpPr>
+      <p:sp>
+        <p:nvSpPr>
+          <p:cNvPr id="2" name="Title 1"/>
+          <p:cNvSpPr>
+            <a:spLocks noGrp="1"/>
+          </p:cNvSpPr>
+          <p:nvPr>
+            <p:ph type="title"/>
+          </p:nvPr>
+        </p:nvSpPr>
+        <p:spPr/>
+        <p:txBody>
+          <a:bodyPr>
+            <a:noAutofit/>
+          </a:bodyPr>
+          <a:lstStyle/>
+          <a:p>
+            <a:r>
+              <a:rPr lang="en-GB" sz="4000" dirty="0" smtClean="0"/>
+              <a:t>Difference between an Abstract class and an Interface</a:t>
+            </a:r>
+            <a:endParaRPr lang="en-US" sz="4000" dirty="0"/>
+          </a:p>
+        </p:txBody>
+      </p:sp>
+      <p:graphicFrame>
+        <p:nvGraphicFramePr>
+          <p:cNvPr id="4" name="Content Placeholder 3"/>
+          <p:cNvGraphicFramePr>
+            <a:graphicFrameLocks noGrp="1"/>
+          </p:cNvGraphicFramePr>
+          <p:nvPr>
+            <p:ph idx="1"/>
+            <p:extLst>
+              <p:ext uri="{D42A27DB-BD31-4B8C-83A1-F6EECF244321}">
+                <p14:modId xmlns:p14="http://schemas.microsoft.com/office/powerpoint/2010/main" val="620563358"/>
+              </p:ext>
+            </p:extLst>
+          </p:nvPr>
+        </p:nvGraphicFramePr>
+        <p:xfrm>
+          <a:off x="239713" y="1412875"/>
+          <a:ext cx="11712576" cy="4572000"/>
+        </p:xfrm>
+        <a:graphic>
+          <a:graphicData uri="http://schemas.openxmlformats.org/drawingml/2006/table">
+            <a:tbl>
+              <a:tblPr firstRow="1" bandRow="1">
+                <a:tableStyleId>{2D5ABB26-0587-4C30-8999-92F81FD0307C}</a:tableStyleId>
+              </a:tblPr>
+              <a:tblGrid>
+                <a:gridCol w="5856288"/>
+                <a:gridCol w="5856288"/>
+              </a:tblGrid>
+              <a:tr h="370840">
+                <a:tc>
+                  <a:txBody>
+                    <a:bodyPr/>
+                    <a:lstStyle/>
+                    <a:p>
+                      <a:pPr algn="l" fontAlgn="t"/>
+                      <a:r>
+                        <a:rPr lang="en-US" sz="2400" b="1" dirty="0">
+                          <a:effectLst/>
+                        </a:rPr>
+                        <a:t>Abstract </a:t>
+                      </a:r>
+                      <a:r>
+                        <a:rPr lang="en-US" sz="2400" b="1" dirty="0" smtClean="0">
+                          <a:effectLst/>
+                        </a:rPr>
+                        <a:t>Class</a:t>
+                      </a:r>
+                      <a:endParaRPr lang="en-US" sz="2400" dirty="0">
+                        <a:effectLst/>
+                      </a:endParaRPr>
+                    </a:p>
+                  </a:txBody>
+                  <a:tcPr marL="76200" marR="76200" marT="76200" marB="76200"/>
+                </a:tc>
+                <a:tc>
+                  <a:txBody>
+                    <a:bodyPr/>
+                    <a:lstStyle/>
+                    <a:p>
+                      <a:pPr algn="l" fontAlgn="t"/>
+                      <a:r>
+                        <a:rPr lang="en-US" sz="2400" b="1">
+                          <a:effectLst/>
+                        </a:rPr>
+                        <a:t>Interface</a:t>
+                      </a:r>
+                      <a:endParaRPr lang="en-US" sz="2400">
+                        <a:effectLst/>
+                      </a:endParaRPr>
+                    </a:p>
+                  </a:txBody>
+                  <a:tcPr marL="76200" marR="76200" marT="76200" marB="76200"/>
+                </a:tc>
+              </a:tr>
+              <a:tr h="370840">
+                <a:tc>
+                  <a:txBody>
+                    <a:bodyPr/>
+                    <a:lstStyle/>
+                    <a:p>
+                      <a:pPr algn="l" fontAlgn="t"/>
+                      <a:r>
+                        <a:rPr lang="en-US" sz="2400">
+                          <a:effectLst/>
+                        </a:rPr>
+                        <a:t>An abstract class can have both abstract and non-abstract methods.</a:t>
+                      </a:r>
+                    </a:p>
+                  </a:txBody>
+                  <a:tcPr marL="76200" marR="76200" marT="76200" marB="76200"/>
+                </a:tc>
+                <a:tc>
+                  <a:txBody>
+                    <a:bodyPr/>
+                    <a:lstStyle/>
+                    <a:p>
+                      <a:pPr algn="l" fontAlgn="t"/>
+                      <a:r>
+                        <a:rPr lang="en-US" sz="2400">
+                          <a:effectLst/>
+                        </a:rPr>
+                        <a:t>The interface can have only abstract methods.</a:t>
+                      </a:r>
+                    </a:p>
+                  </a:txBody>
+                  <a:tcPr marL="76200" marR="76200" marT="76200" marB="76200"/>
+                </a:tc>
+              </a:tr>
+              <a:tr h="370840">
+                <a:tc>
+                  <a:txBody>
+                    <a:bodyPr/>
+                    <a:lstStyle/>
+                    <a:p>
+                      <a:pPr algn="l" fontAlgn="t"/>
+                      <a:r>
+                        <a:rPr lang="en-US" sz="2400">
+                          <a:effectLst/>
+                        </a:rPr>
+                        <a:t>It does not support multiple inheritances.</a:t>
+                      </a:r>
+                    </a:p>
+                  </a:txBody>
+                  <a:tcPr marL="76200" marR="76200" marT="76200" marB="76200"/>
+                </a:tc>
+                <a:tc>
+                  <a:txBody>
+                    <a:bodyPr/>
+                    <a:lstStyle/>
+                    <a:p>
+                      <a:pPr algn="l" fontAlgn="t"/>
+                      <a:r>
+                        <a:rPr lang="en-US" sz="2400">
+                          <a:effectLst/>
+                        </a:rPr>
+                        <a:t>It supports multiple inheritances.</a:t>
+                      </a:r>
+                    </a:p>
+                  </a:txBody>
+                  <a:tcPr marL="76200" marR="76200" marT="76200" marB="76200"/>
+                </a:tc>
+              </a:tr>
+              <a:tr h="370840">
+                <a:tc>
+                  <a:txBody>
+                    <a:bodyPr/>
+                    <a:lstStyle/>
+                    <a:p>
+                      <a:pPr algn="l" fontAlgn="t"/>
+                      <a:r>
+                        <a:rPr lang="en-US" sz="2400">
+                          <a:effectLst/>
+                        </a:rPr>
+                        <a:t>It can provide the implementation of the interface.</a:t>
+                      </a:r>
+                    </a:p>
+                  </a:txBody>
+                  <a:tcPr marL="76200" marR="76200" marT="76200" marB="76200"/>
+                </a:tc>
+                <a:tc>
+                  <a:txBody>
+                    <a:bodyPr/>
+                    <a:lstStyle/>
+                    <a:p>
+                      <a:pPr algn="l" fontAlgn="t"/>
+                      <a:r>
+                        <a:rPr lang="en-US" sz="2400">
+                          <a:effectLst/>
+                        </a:rPr>
+                        <a:t>It can not provide the implementation of the abstract class.</a:t>
+                      </a:r>
+                    </a:p>
+                  </a:txBody>
+                  <a:tcPr marL="76200" marR="76200" marT="76200" marB="76200"/>
+                </a:tc>
+              </a:tr>
+              <a:tr h="370840">
+                <a:tc>
+                  <a:txBody>
+                    <a:bodyPr/>
+                    <a:lstStyle/>
+                    <a:p>
+                      <a:pPr algn="l" fontAlgn="t"/>
+                      <a:r>
+                        <a:rPr lang="en-US" sz="2400">
+                          <a:effectLst/>
+                        </a:rPr>
+                        <a:t>An abstract class can have protected and abstract public methods.</a:t>
+                      </a:r>
+                    </a:p>
+                  </a:txBody>
+                  <a:tcPr marL="76200" marR="76200" marT="76200" marB="76200"/>
+                </a:tc>
+                <a:tc>
+                  <a:txBody>
+                    <a:bodyPr/>
+                    <a:lstStyle/>
+                    <a:p>
+                      <a:pPr algn="l" fontAlgn="t"/>
+                      <a:r>
+                        <a:rPr lang="en-US" sz="2400">
+                          <a:effectLst/>
+                        </a:rPr>
+                        <a:t>An interface can have only have public abstract methods.</a:t>
+                      </a:r>
+                    </a:p>
+                  </a:txBody>
+                  <a:tcPr marL="76200" marR="76200" marT="76200" marB="76200"/>
+                </a:tc>
+              </a:tr>
+              <a:tr h="370840">
+                <a:tc>
+                  <a:txBody>
+                    <a:bodyPr/>
+                    <a:lstStyle/>
+                    <a:p>
+                      <a:pPr algn="l" fontAlgn="t"/>
+                      <a:r>
+                        <a:rPr lang="en-US" sz="2400">
+                          <a:effectLst/>
+                        </a:rPr>
+                        <a:t>An abstract class can have final, static, or static final variable with any access specifier.</a:t>
+                      </a:r>
+                    </a:p>
+                  </a:txBody>
+                  <a:tcPr marL="76200" marR="76200" marT="76200" marB="76200"/>
+                </a:tc>
+                <a:tc>
+                  <a:txBody>
+                    <a:bodyPr/>
+                    <a:lstStyle/>
+                    <a:p>
+                      <a:pPr algn="l" fontAlgn="t"/>
+                      <a:r>
+                        <a:rPr lang="en-US" sz="2400" dirty="0">
+                          <a:effectLst/>
+                        </a:rPr>
+                        <a:t>The interface can only have a public static final variable.</a:t>
+                      </a:r>
+                    </a:p>
+                  </a:txBody>
+                  <a:tcPr marL="76200" marR="76200" marT="76200" marB="76200"/>
+                </a:tc>
+              </a:tr>
+            </a:tbl>
+          </a:graphicData>
+        </a:graphic>
+      </p:graphicFrame>
+    </p:spTree>
+    <p:extLst>
+      <p:ext uri="{BB962C8B-B14F-4D97-AF65-F5344CB8AC3E}">
+        <p14:creationId xmlns:p14="http://schemas.microsoft.com/office/powerpoint/2010/main" val="2694321412"/>
+      </p:ext>
+    </p:extLst>
+  </p:cSld>
+  <p:clrMapOvr>
+    <a:masterClrMapping/>
+  </p:clrMapOvr>
+</p:sld>
+</file>
+
+<file path=ppt/slides/slide21.xml><?xml version="1.0" encoding="utf-8"?>
+<p:sld xmlns:a="http://schemas.openxmlformats.org/drawingml/2006/main" xmlns:r="http://schemas.openxmlformats.org/officeDocument/2006/relationships" xmlns:p="http://schemas.openxmlformats.org/presentationml/2006/main">
+  <p:cSld>
+    <p:spTree>
+      <p:nvGrpSpPr>
+        <p:cNvPr id="1" name=""/>
+        <p:cNvGrpSpPr/>
+        <p:nvPr/>
+      </p:nvGrpSpPr>
+      <p:grpSpPr>
+        <a:xfrm>
+          <a:off x="0" y="0"/>
+          <a:ext cx="0" cy="0"/>
+          <a:chOff x="0" y="0"/>
+          <a:chExt cx="0" cy="0"/>
+        </a:xfrm>
+      </p:grpSpPr>
+      <p:sp>
+        <p:nvSpPr>
+          <p:cNvPr id="2" name="Title 1"/>
+          <p:cNvSpPr>
+            <a:spLocks noGrp="1"/>
+          </p:cNvSpPr>
+          <p:nvPr>
+            <p:ph type="title"/>
+          </p:nvPr>
+        </p:nvSpPr>
+        <p:spPr/>
+        <p:txBody>
+          <a:bodyPr/>
+          <a:lstStyle/>
+          <a:p>
+            <a:r>
+              <a:rPr lang="en-GB" dirty="0" smtClean="0"/>
+              <a:t>References</a:t>
+            </a:r>
+            <a:endParaRPr lang="en-US" dirty="0"/>
+          </a:p>
+        </p:txBody>
+      </p:sp>
+      <p:sp>
+        <p:nvSpPr>
+          <p:cNvPr id="3" name="Content Placeholder 2"/>
+          <p:cNvSpPr>
+            <a:spLocks noGrp="1"/>
+          </p:cNvSpPr>
+          <p:nvPr>
+            <p:ph idx="1"/>
+          </p:nvPr>
+        </p:nvSpPr>
+        <p:spPr/>
+        <p:txBody>
+          <a:bodyPr/>
+          <a:lstStyle/>
+          <a:p>
+            <a:r>
+              <a:rPr lang="en-US" dirty="0"/>
+              <a:t>Lemay, L., Perkins, C. L., &amp; Morrison, M. (1999). Java in 21 Days. </a:t>
+            </a:r>
+            <a:r>
+              <a:rPr lang="en-US" dirty="0" err="1"/>
+              <a:t>Sama</a:t>
+            </a:r>
+            <a:r>
+              <a:rPr lang="en-US" dirty="0"/>
+              <a:t> Publishing</a:t>
+            </a:r>
+            <a:r>
+              <a:rPr lang="en-US" dirty="0" smtClean="0"/>
+              <a:t>.</a:t>
+            </a:r>
+          </a:p>
+          <a:p>
+            <a:endParaRPr lang="en-US" dirty="0"/>
+          </a:p>
+        </p:txBody>
+      </p:sp>
+    </p:spTree>
+    <p:extLst>
+      <p:ext uri="{BB962C8B-B14F-4D97-AF65-F5344CB8AC3E}">
+        <p14:creationId xmlns:p14="http://schemas.microsoft.com/office/powerpoint/2010/main" val="2475725027"/>
       </p:ext>
     </p:extLst>
   </p:cSld>
@@ -7518,7 +9021,6 @@
               <a:rPr lang="en-US" dirty="0"/>
               <a:t>each instance stores its own value for that attribute.</a:t>
             </a:r>
-            <a:endParaRPr lang="en-US" dirty="0"/>
           </a:p>
           <a:p>
             <a:pPr algn="just"/>
